--- a/Agentic AI  Health Symptom Checker.pptx
+++ b/Agentic AI  Health Symptom Checker.pptx
@@ -6569,12 +6569,12 @@
           <a:p>
             <a:pPr marL="305435" indent="-305435"/>
             <a:r>
-              <a:rPr lang="en-US" sz="2000" b="1" dirty="0" err="1">
+              <a:rPr lang="en-US" sz="2000" b="1">
                 <a:latin typeface="Arial"/>
                 <a:ea typeface="+mn-lt"/>
                 <a:cs typeface="+mn-lt"/>
               </a:rPr>
-              <a:t>Github</a:t>
+              <a:t>Git-hub </a:t>
             </a:r>
             <a:r>
               <a:rPr lang="en-US" sz="2000" b="1" dirty="0">
@@ -6582,7 +6582,7 @@
                 <a:ea typeface="+mn-lt"/>
                 <a:cs typeface="+mn-lt"/>
               </a:rPr>
-              <a:t> Link</a:t>
+              <a:t>Link</a:t>
             </a:r>
           </a:p>
           <a:p>
@@ -8223,6 +8223,23 @@
 </file>
 
 <file path=customXml/item1.xml><?xml version="1.0" encoding="utf-8"?>
+<?mso-contentType ?>
+<FormTemplates xmlns="http://schemas.microsoft.com/sharepoint/v3/contenttype/forms">
+  <Display>DocumentLibraryForm</Display>
+  <Edit>DocumentLibraryForm</Edit>
+  <New>DocumentLibraryForm</New>
+</FormTemplates>
+</file>
+
+<file path=customXml/item2.xml><?xml version="1.0" encoding="utf-8"?>
+<p:properties xmlns:p="http://schemas.microsoft.com/office/2006/metadata/properties" xmlns:xsi="http://www.w3.org/2001/XMLSchema-instance" xmlns:pc="http://schemas.microsoft.com/office/infopath/2007/PartnerControls">
+  <documentManagement>
+    <_activity xmlns="b30265f8-c5e2-4918-b4a1-b977299ca3e2" xsi:nil="true"/>
+  </documentManagement>
+</p:properties>
+</file>
+
+<file path=customXml/item3.xml><?xml version="1.0" encoding="utf-8"?>
 <ct:contentTypeSchema xmlns:ct="http://schemas.microsoft.com/office/2006/metadata/contentType" xmlns:ma="http://schemas.microsoft.com/office/2006/metadata/properties/metaAttributes" ct:_="" ma:_="" ma:contentTypeName="Document" ma:contentTypeID="0x0101007F0268AC5E70984D8FE60B7154176407" ma:contentTypeVersion="15" ma:contentTypeDescription="Create a new document." ma:contentTypeScope="" ma:versionID="104e359103f0f57b1cf9676756e5b944">
   <xsd:schema xmlns:xsd="http://www.w3.org/2001/XMLSchema" xmlns:xs="http://www.w3.org/2001/XMLSchema" xmlns:p="http://schemas.microsoft.com/office/2006/metadata/properties" xmlns:ns3="b30265f8-c5e2-4918-b4a1-b977299ca3e2" xmlns:ns4="fadb41d3-f9cb-40fb-903c-8cacaba95bb5" targetNamespace="http://schemas.microsoft.com/office/2006/metadata/properties" ma:root="true" ma:fieldsID="5615b8f8aa772998bad551f24a33de0e" ns3:_="" ns4:_="">
     <xsd:import namespace="b30265f8-c5e2-4918-b4a1-b977299ca3e2"/>
@@ -8455,38 +8472,10 @@
 </ct:contentTypeSchema>
 </file>
 
-<file path=customXml/item2.xml><?xml version="1.0" encoding="utf-8"?>
-<p:properties xmlns:p="http://schemas.microsoft.com/office/2006/metadata/properties" xmlns:xsi="http://www.w3.org/2001/XMLSchema-instance" xmlns:pc="http://schemas.microsoft.com/office/infopath/2007/PartnerControls">
-  <documentManagement>
-    <_activity xmlns="b30265f8-c5e2-4918-b4a1-b977299ca3e2" xsi:nil="true"/>
-  </documentManagement>
-</p:properties>
-</file>
-
-<file path=customXml/item3.xml><?xml version="1.0" encoding="utf-8"?>
-<?mso-contentType ?>
-<FormTemplates xmlns="http://schemas.microsoft.com/sharepoint/v3/contenttype/forms">
-  <Display>DocumentLibraryForm</Display>
-  <Edit>DocumentLibraryForm</Edit>
-  <New>DocumentLibraryForm</New>
-</FormTemplates>
-</file>
-
 <file path=customXml/itemProps1.xml><?xml version="1.0" encoding="utf-8"?>
-<ds:datastoreItem xmlns:ds="http://schemas.openxmlformats.org/officeDocument/2006/customXml" ds:itemID="{9DD71778-17EE-4151-88AE-C8F4E8043BD9}">
+<ds:datastoreItem xmlns:ds="http://schemas.openxmlformats.org/officeDocument/2006/customXml" ds:itemID="{927BD4C1-B6B1-4715-ABF9-E660A51A4EA0}">
   <ds:schemaRefs>
-    <ds:schemaRef ds:uri="http://schemas.microsoft.com/office/2006/metadata/contentType"/>
-    <ds:schemaRef ds:uri="http://schemas.microsoft.com/office/2006/metadata/properties/metaAttributes"/>
-    <ds:schemaRef ds:uri="http://www.w3.org/2001/XMLSchema"/>
-    <ds:schemaRef ds:uri="http://schemas.microsoft.com/office/2006/metadata/properties"/>
-    <ds:schemaRef ds:uri="b30265f8-c5e2-4918-b4a1-b977299ca3e2"/>
-    <ds:schemaRef ds:uri="fadb41d3-f9cb-40fb-903c-8cacaba95bb5"/>
-    <ds:schemaRef ds:uri="http://schemas.microsoft.com/office/2006/documentManagement/types"/>
-    <ds:schemaRef ds:uri="http://schemas.microsoft.com/office/infopath/2007/PartnerControls"/>
-    <ds:schemaRef ds:uri="http://schemas.openxmlformats.org/package/2006/metadata/core-properties"/>
-    <ds:schemaRef ds:uri="http://purl.org/dc/elements/1.1/"/>
-    <ds:schemaRef ds:uri="http://purl.org/dc/terms/"/>
-    <ds:schemaRef ds:uri="http://schemas.microsoft.com/internal/obd"/>
+    <ds:schemaRef ds:uri="http://schemas.microsoft.com/sharepoint/v3/contenttype/forms"/>
   </ds:schemaRefs>
 </ds:datastoreItem>
 </file>
@@ -8509,9 +8498,20 @@
 </file>
 
 <file path=customXml/itemProps3.xml><?xml version="1.0" encoding="utf-8"?>
-<ds:datastoreItem xmlns:ds="http://schemas.openxmlformats.org/officeDocument/2006/customXml" ds:itemID="{927BD4C1-B6B1-4715-ABF9-E660A51A4EA0}">
+<ds:datastoreItem xmlns:ds="http://schemas.openxmlformats.org/officeDocument/2006/customXml" ds:itemID="{9DD71778-17EE-4151-88AE-C8F4E8043BD9}">
   <ds:schemaRefs>
-    <ds:schemaRef ds:uri="http://schemas.microsoft.com/sharepoint/v3/contenttype/forms"/>
+    <ds:schemaRef ds:uri="http://schemas.microsoft.com/office/2006/metadata/contentType"/>
+    <ds:schemaRef ds:uri="http://schemas.microsoft.com/office/2006/metadata/properties/metaAttributes"/>
+    <ds:schemaRef ds:uri="http://www.w3.org/2001/XMLSchema"/>
+    <ds:schemaRef ds:uri="http://schemas.microsoft.com/office/2006/metadata/properties"/>
+    <ds:schemaRef ds:uri="b30265f8-c5e2-4918-b4a1-b977299ca3e2"/>
+    <ds:schemaRef ds:uri="fadb41d3-f9cb-40fb-903c-8cacaba95bb5"/>
+    <ds:schemaRef ds:uri="http://schemas.microsoft.com/office/2006/documentManagement/types"/>
+    <ds:schemaRef ds:uri="http://schemas.microsoft.com/office/infopath/2007/PartnerControls"/>
+    <ds:schemaRef ds:uri="http://schemas.openxmlformats.org/package/2006/metadata/core-properties"/>
+    <ds:schemaRef ds:uri="http://purl.org/dc/elements/1.1/"/>
+    <ds:schemaRef ds:uri="http://purl.org/dc/terms/"/>
+    <ds:schemaRef ds:uri="http://schemas.microsoft.com/internal/obd"/>
   </ds:schemaRefs>
 </ds:datastoreItem>
 </file>
--- a/Agentic AI  Health Symptom Checker.pptx
+++ b/Agentic AI  Health Symptom Checker.pptx
@@ -4643,7 +4643,7 @@
                 <a:latin typeface="Arial"/>
                 <a:cs typeface="Arial"/>
               </a:rPr>
-              <a:t>College Name &amp; Department :Dayanand Sagar Academy Technology and Management [Information Science and Engineering]</a:t>
+              <a:t>College Name &amp; Department :Dayananda Sagar Academy Of Technology and Management [Information Science and Engineering]</a:t>
             </a:r>
           </a:p>
           <a:p>
@@ -8223,23 +8223,6 @@
 </file>
 
 <file path=customXml/item1.xml><?xml version="1.0" encoding="utf-8"?>
-<?mso-contentType ?>
-<FormTemplates xmlns="http://schemas.microsoft.com/sharepoint/v3/contenttype/forms">
-  <Display>DocumentLibraryForm</Display>
-  <Edit>DocumentLibraryForm</Edit>
-  <New>DocumentLibraryForm</New>
-</FormTemplates>
-</file>
-
-<file path=customXml/item2.xml><?xml version="1.0" encoding="utf-8"?>
-<p:properties xmlns:p="http://schemas.microsoft.com/office/2006/metadata/properties" xmlns:xsi="http://www.w3.org/2001/XMLSchema-instance" xmlns:pc="http://schemas.microsoft.com/office/infopath/2007/PartnerControls">
-  <documentManagement>
-    <_activity xmlns="b30265f8-c5e2-4918-b4a1-b977299ca3e2" xsi:nil="true"/>
-  </documentManagement>
-</p:properties>
-</file>
-
-<file path=customXml/item3.xml><?xml version="1.0" encoding="utf-8"?>
 <ct:contentTypeSchema xmlns:ct="http://schemas.microsoft.com/office/2006/metadata/contentType" xmlns:ma="http://schemas.microsoft.com/office/2006/metadata/properties/metaAttributes" ct:_="" ma:_="" ma:contentTypeName="Document" ma:contentTypeID="0x0101007F0268AC5E70984D8FE60B7154176407" ma:contentTypeVersion="15" ma:contentTypeDescription="Create a new document." ma:contentTypeScope="" ma:versionID="104e359103f0f57b1cf9676756e5b944">
   <xsd:schema xmlns:xsd="http://www.w3.org/2001/XMLSchema" xmlns:xs="http://www.w3.org/2001/XMLSchema" xmlns:p="http://schemas.microsoft.com/office/2006/metadata/properties" xmlns:ns3="b30265f8-c5e2-4918-b4a1-b977299ca3e2" xmlns:ns4="fadb41d3-f9cb-40fb-903c-8cacaba95bb5" targetNamespace="http://schemas.microsoft.com/office/2006/metadata/properties" ma:root="true" ma:fieldsID="5615b8f8aa772998bad551f24a33de0e" ns3:_="" ns4:_="">
     <xsd:import namespace="b30265f8-c5e2-4918-b4a1-b977299ca3e2"/>
@@ -8472,10 +8455,38 @@
 </ct:contentTypeSchema>
 </file>
 
+<file path=customXml/item2.xml><?xml version="1.0" encoding="utf-8"?>
+<p:properties xmlns:p="http://schemas.microsoft.com/office/2006/metadata/properties" xmlns:xsi="http://www.w3.org/2001/XMLSchema-instance" xmlns:pc="http://schemas.microsoft.com/office/infopath/2007/PartnerControls">
+  <documentManagement>
+    <_activity xmlns="b30265f8-c5e2-4918-b4a1-b977299ca3e2" xsi:nil="true"/>
+  </documentManagement>
+</p:properties>
+</file>
+
+<file path=customXml/item3.xml><?xml version="1.0" encoding="utf-8"?>
+<?mso-contentType ?>
+<FormTemplates xmlns="http://schemas.microsoft.com/sharepoint/v3/contenttype/forms">
+  <Display>DocumentLibraryForm</Display>
+  <Edit>DocumentLibraryForm</Edit>
+  <New>DocumentLibraryForm</New>
+</FormTemplates>
+</file>
+
 <file path=customXml/itemProps1.xml><?xml version="1.0" encoding="utf-8"?>
-<ds:datastoreItem xmlns:ds="http://schemas.openxmlformats.org/officeDocument/2006/customXml" ds:itemID="{927BD4C1-B6B1-4715-ABF9-E660A51A4EA0}">
+<ds:datastoreItem xmlns:ds="http://schemas.openxmlformats.org/officeDocument/2006/customXml" ds:itemID="{9DD71778-17EE-4151-88AE-C8F4E8043BD9}">
   <ds:schemaRefs>
-    <ds:schemaRef ds:uri="http://schemas.microsoft.com/sharepoint/v3/contenttype/forms"/>
+    <ds:schemaRef ds:uri="http://schemas.microsoft.com/office/2006/metadata/contentType"/>
+    <ds:schemaRef ds:uri="http://schemas.microsoft.com/office/2006/metadata/properties/metaAttributes"/>
+    <ds:schemaRef ds:uri="http://www.w3.org/2001/XMLSchema"/>
+    <ds:schemaRef ds:uri="http://schemas.microsoft.com/office/2006/metadata/properties"/>
+    <ds:schemaRef ds:uri="b30265f8-c5e2-4918-b4a1-b977299ca3e2"/>
+    <ds:schemaRef ds:uri="fadb41d3-f9cb-40fb-903c-8cacaba95bb5"/>
+    <ds:schemaRef ds:uri="http://schemas.microsoft.com/office/2006/documentManagement/types"/>
+    <ds:schemaRef ds:uri="http://schemas.microsoft.com/office/infopath/2007/PartnerControls"/>
+    <ds:schemaRef ds:uri="http://schemas.openxmlformats.org/package/2006/metadata/core-properties"/>
+    <ds:schemaRef ds:uri="http://purl.org/dc/elements/1.1/"/>
+    <ds:schemaRef ds:uri="http://purl.org/dc/terms/"/>
+    <ds:schemaRef ds:uri="http://schemas.microsoft.com/internal/obd"/>
   </ds:schemaRefs>
 </ds:datastoreItem>
 </file>
@@ -8498,20 +8509,9 @@
 </file>
 
 <file path=customXml/itemProps3.xml><?xml version="1.0" encoding="utf-8"?>
-<ds:datastoreItem xmlns:ds="http://schemas.openxmlformats.org/officeDocument/2006/customXml" ds:itemID="{9DD71778-17EE-4151-88AE-C8F4E8043BD9}">
+<ds:datastoreItem xmlns:ds="http://schemas.openxmlformats.org/officeDocument/2006/customXml" ds:itemID="{927BD4C1-B6B1-4715-ABF9-E660A51A4EA0}">
   <ds:schemaRefs>
-    <ds:schemaRef ds:uri="http://schemas.microsoft.com/office/2006/metadata/contentType"/>
-    <ds:schemaRef ds:uri="http://schemas.microsoft.com/office/2006/metadata/properties/metaAttributes"/>
-    <ds:schemaRef ds:uri="http://www.w3.org/2001/XMLSchema"/>
-    <ds:schemaRef ds:uri="http://schemas.microsoft.com/office/2006/metadata/properties"/>
-    <ds:schemaRef ds:uri="b30265f8-c5e2-4918-b4a1-b977299ca3e2"/>
-    <ds:schemaRef ds:uri="fadb41d3-f9cb-40fb-903c-8cacaba95bb5"/>
-    <ds:schemaRef ds:uri="http://schemas.microsoft.com/office/2006/documentManagement/types"/>
-    <ds:schemaRef ds:uri="http://schemas.microsoft.com/office/infopath/2007/PartnerControls"/>
-    <ds:schemaRef ds:uri="http://schemas.openxmlformats.org/package/2006/metadata/core-properties"/>
-    <ds:schemaRef ds:uri="http://purl.org/dc/elements/1.1/"/>
-    <ds:schemaRef ds:uri="http://purl.org/dc/terms/"/>
-    <ds:schemaRef ds:uri="http://schemas.microsoft.com/internal/obd"/>
+    <ds:schemaRef ds:uri="http://schemas.microsoft.com/sharepoint/v3/contenttype/forms"/>
   </ds:schemaRefs>
 </ds:datastoreItem>
 </file>